--- a/modling /ppt/第14.1 讲--多变量非线性建模--手写数字识别-神经网络2.pptx
+++ b/modling /ppt/第14.1 讲--多变量非线性建模--手写数字识别-神经网络2.pptx
@@ -5,10 +5,10 @@
     <p:sldMasterId id="2147483747" r:id="rId1"/>
   </p:sldMasterIdLst>
   <p:notesMasterIdLst>
-    <p:notesMasterId r:id="rId35"/>
+    <p:notesMasterId r:id="rId36"/>
   </p:notesMasterIdLst>
   <p:handoutMasterIdLst>
-    <p:handoutMasterId r:id="rId36"/>
+    <p:handoutMasterId r:id="rId37"/>
   </p:handoutMasterIdLst>
   <p:sldIdLst>
     <p:sldId id="256" r:id="rId2"/>
@@ -44,6 +44,7 @@
     <p:sldId id="354" r:id="rId32"/>
     <p:sldId id="361" r:id="rId33"/>
     <p:sldId id="375" r:id="rId34"/>
+    <p:sldId id="377" r:id="rId35"/>
   </p:sldIdLst>
   <p:sldSz cx="9144000" cy="6858000" type="screen4x3"/>
   <p:notesSz cx="6858000" cy="9144000"/>
@@ -296,7 +297,7 @@
               <a:pPr>
                 <a:defRPr/>
               </a:pPr>
-              <a:t>2020/5/27</a:t>
+              <a:t>2020/6/3</a:t>
             </a:fld>
             <a:endParaRPr lang="zh-CN" altLang="en-US"/>
           </a:p>
@@ -497,7 +498,7 @@
               <a:pPr>
                 <a:defRPr/>
               </a:pPr>
-              <a:t>2020/5/27</a:t>
+              <a:t>2020/6/3</a:t>
             </a:fld>
             <a:endParaRPr lang="zh-CN" altLang="en-US"/>
           </a:p>
@@ -946,6 +947,11 @@
         </p:txBody>
       </p:sp>
     </p:spTree>
+    <p:extLst>
+      <p:ext uri="{BB962C8B-B14F-4D97-AF65-F5344CB8AC3E}">
+        <p14:creationId xmlns:p14="http://schemas.microsoft.com/office/powerpoint/2010/main" val="930871553"/>
+      </p:ext>
+    </p:extLst>
   </p:cSld>
   <p:clrMapOvr>
     <a:masterClrMapping/>
@@ -4645,24 +4651,17 @@
                 <a:latin typeface="等线" panose="02010600030101010101" pitchFamily="2" charset="-122"/>
                 <a:ea typeface="等线" panose="02010600030101010101" pitchFamily="2" charset="-122"/>
               </a:rPr>
-              <a:t>x &gt; threshold else 0</a:t>
-            </a:r>
-            <a:r>
-              <a:rPr lang="en-US" altLang="zh-CN">
-                <a:latin typeface="等线" panose="02010600030101010101" pitchFamily="2" charset="-122"/>
-                <a:ea typeface="等线" panose="02010600030101010101" pitchFamily="2" charset="-122"/>
-              </a:rPr>
-              <a:t>) </a:t>
-            </a:r>
-            <a:r>
-              <a:rPr lang="en-US" altLang="zh-CN" smtClean="0">
+              <a:t>x &gt; threshold else 0) </a:t>
+            </a:r>
+            <a:r>
+              <a:rPr lang="en-US" altLang="zh-CN" dirty="0" smtClean="0">
                 <a:latin typeface="等线" panose="02010600030101010101" pitchFamily="2" charset="-122"/>
                 <a:ea typeface="等线" panose="02010600030101010101" pitchFamily="2" charset="-122"/>
               </a:rPr>
               <a:t>#</a:t>
             </a:r>
             <a:r>
-              <a:rPr lang="zh-CN" altLang="en-US" smtClean="0">
+              <a:rPr lang="zh-CN" altLang="en-US" dirty="0" smtClean="0">
                 <a:latin typeface="等线" panose="02010600030101010101" pitchFamily="2" charset="-122"/>
                 <a:ea typeface="等线" panose="02010600030101010101" pitchFamily="2" charset="-122"/>
               </a:rPr>
@@ -4742,14 +4741,14 @@
               <a:buNone/>
             </a:pPr>
             <a:r>
-              <a:rPr lang="zh-CN" altLang="en-US">
+              <a:rPr lang="zh-CN" altLang="en-US" dirty="0">
                 <a:latin typeface="等线" panose="02010600030101010101" pitchFamily="2" charset="-122"/>
                 <a:ea typeface="等线" panose="02010600030101010101" pitchFamily="2" charset="-122"/>
               </a:rPr>
               <a:t>	</a:t>
             </a:r>
             <a:r>
-              <a:rPr lang="en-US" altLang="zh-CN" smtClean="0">
+              <a:rPr lang="en-US" altLang="zh-CN" dirty="0" smtClean="0">
                 <a:latin typeface="等线" panose="02010600030101010101" pitchFamily="2" charset="-122"/>
                 <a:ea typeface="等线" panose="02010600030101010101" pitchFamily="2" charset="-122"/>
               </a:rPr>
@@ -4807,25 +4806,18 @@
               <a:t>r"E</a:t>
             </a:r>
             <a:r>
-              <a:rPr lang="en-US" altLang="zh-CN">
+              <a:rPr lang="en-US" altLang="zh-CN" dirty="0">
                 <a:latin typeface="等线" panose="02010600030101010101" pitchFamily="2" charset="-122"/>
                 <a:ea typeface="等线" panose="02010600030101010101" pitchFamily="2" charset="-122"/>
               </a:rPr>
               <a:t>:\</a:t>
             </a:r>
             <a:r>
-              <a:rPr lang="en-US" altLang="zh-CN" smtClean="0">
-                <a:latin typeface="等线" panose="02010600030101010101" pitchFamily="2" charset="-122"/>
-                <a:ea typeface="等线" panose="02010600030101010101" pitchFamily="2" charset="-122"/>
-              </a:rPr>
-              <a:t>22\cong_digit0.jpg</a:t>
-            </a:r>
-            <a:r>
               <a:rPr lang="en-US" altLang="zh-CN" dirty="0" smtClean="0">
                 <a:latin typeface="等线" panose="02010600030101010101" pitchFamily="2" charset="-122"/>
                 <a:ea typeface="等线" panose="02010600030101010101" pitchFamily="2" charset="-122"/>
               </a:rPr>
-              <a:t>")</a:t>
+              <a:t>22\cong_digit0.jpg")</a:t>
             </a:r>
             <a:endParaRPr lang="en-US" altLang="zh-CN" dirty="0">
               <a:latin typeface="等线" panose="02010600030101010101" pitchFamily="2" charset="-122"/>
@@ -5023,7 +5015,7 @@
         </p:nvSpPr>
         <p:spPr bwMode="auto">
           <a:xfrm>
-            <a:off x="503119" y="947916"/>
+            <a:off x="179512" y="620688"/>
             <a:ext cx="7920880" cy="5361403"/>
           </a:xfrm>
           <a:prstGeom prst="rect">
@@ -5232,7 +5224,7 @@
               <a:buNone/>
             </a:pPr>
             <a:r>
-              <a:rPr lang="en-US" altLang="zh-CN" sz="2000"/>
+              <a:rPr lang="en-US" altLang="zh-CN" sz="2000" dirty="0"/>
               <a:t>from PIL import Image</a:t>
             </a:r>
           </a:p>
@@ -5241,11 +5233,35 @@
               <a:buNone/>
             </a:pPr>
             <a:r>
-              <a:rPr lang="en-US" altLang="zh-CN" sz="2000"/>
-              <a:t>def convert_to_bw(im,threshold):  #im</a:t>
-            </a:r>
-            <a:r>
-              <a:rPr lang="zh-CN" altLang="en-US" sz="2000"/>
+              <a:rPr lang="en-US" altLang="zh-CN" sz="2000" dirty="0" err="1"/>
+              <a:t>def</a:t>
+            </a:r>
+            <a:r>
+              <a:rPr lang="en-US" altLang="zh-CN" sz="2000" dirty="0"/>
+              <a:t> </a:t>
+            </a:r>
+            <a:r>
+              <a:rPr lang="en-US" altLang="zh-CN" sz="2000" dirty="0" err="1"/>
+              <a:t>convert_to_bw</a:t>
+            </a:r>
+            <a:r>
+              <a:rPr lang="en-US" altLang="zh-CN" sz="2000" dirty="0"/>
+              <a:t>(</a:t>
+            </a:r>
+            <a:r>
+              <a:rPr lang="en-US" altLang="zh-CN" sz="2000" dirty="0" err="1"/>
+              <a:t>im,threshold</a:t>
+            </a:r>
+            <a:r>
+              <a:rPr lang="en-US" altLang="zh-CN" sz="2000" dirty="0"/>
+              <a:t>):  #</a:t>
+            </a:r>
+            <a:r>
+              <a:rPr lang="en-US" altLang="zh-CN" sz="2000" dirty="0" err="1"/>
+              <a:t>im</a:t>
+            </a:r>
+            <a:r>
+              <a:rPr lang="zh-CN" altLang="en-US" sz="2000" dirty="0"/>
               <a:t>是图像对象</a:t>
             </a:r>
           </a:p>
@@ -5254,15 +5270,27 @@
               <a:buNone/>
             </a:pPr>
             <a:r>
-              <a:rPr lang="zh-CN" altLang="en-US" sz="2000"/>
+              <a:rPr lang="zh-CN" altLang="en-US" sz="2000" dirty="0"/>
               <a:t>	</a:t>
             </a:r>
             <a:r>
-              <a:rPr lang="en-US" altLang="zh-CN" sz="2000"/>
-              <a:t>im = im.convert("L")  # </a:t>
-            </a:r>
-            <a:r>
-              <a:rPr lang="zh-CN" altLang="en-US" sz="2000"/>
+              <a:rPr lang="en-US" altLang="zh-CN" sz="2000" dirty="0" err="1"/>
+              <a:t>im</a:t>
+            </a:r>
+            <a:r>
+              <a:rPr lang="en-US" altLang="zh-CN" sz="2000" dirty="0"/>
+              <a:t> = </a:t>
+            </a:r>
+            <a:r>
+              <a:rPr lang="en-US" altLang="zh-CN" sz="2000" dirty="0" err="1"/>
+              <a:t>im.convert</a:t>
+            </a:r>
+            <a:r>
+              <a:rPr lang="en-US" altLang="zh-CN" sz="2000" dirty="0"/>
+              <a:t>("L")  # </a:t>
+            </a:r>
+            <a:r>
+              <a:rPr lang="zh-CN" altLang="en-US" sz="2000" dirty="0"/>
               <a:t>转换为灰度图像</a:t>
             </a:r>
           </a:p>
@@ -5271,23 +5299,35 @@
               <a:buNone/>
             </a:pPr>
             <a:r>
-              <a:rPr lang="zh-CN" altLang="en-US" sz="2000"/>
+              <a:rPr lang="zh-CN" altLang="en-US" sz="2000" dirty="0"/>
               <a:t>	</a:t>
             </a:r>
             <a:r>
-              <a:rPr lang="en-US" altLang="zh-CN" sz="2000"/>
-              <a:t>im = im.point(lambda x: 255 if x &gt; threshold else 0) #</a:t>
-            </a:r>
-            <a:r>
-              <a:rPr lang="zh-CN" altLang="en-US" sz="2000"/>
+              <a:rPr lang="en-US" altLang="zh-CN" sz="2000" dirty="0" err="1"/>
+              <a:t>im</a:t>
+            </a:r>
+            <a:r>
+              <a:rPr lang="en-US" altLang="zh-CN" sz="2000" dirty="0"/>
+              <a:t> = </a:t>
+            </a:r>
+            <a:r>
+              <a:rPr lang="en-US" altLang="zh-CN" sz="2000" dirty="0" err="1"/>
+              <a:t>im.point</a:t>
+            </a:r>
+            <a:r>
+              <a:rPr lang="en-US" altLang="zh-CN" sz="2000" dirty="0"/>
+              <a:t>(lambda x: 255 if x &gt; threshold else 0) #</a:t>
+            </a:r>
+            <a:r>
+              <a:rPr lang="zh-CN" altLang="en-US" sz="2000" dirty="0"/>
               <a:t>代表数字的像素值置</a:t>
             </a:r>
             <a:r>
-              <a:rPr lang="en-US" altLang="zh-CN" sz="2000"/>
+              <a:rPr lang="en-US" altLang="zh-CN" sz="2000" dirty="0"/>
               <a:t>0</a:t>
             </a:r>
             <a:r>
-              <a:rPr lang="zh-CN" altLang="en-US" sz="2000"/>
+              <a:rPr lang="zh-CN" altLang="en-US" sz="2000" dirty="0"/>
               <a:t>，黑色</a:t>
             </a:r>
           </a:p>
@@ -5296,15 +5336,27 @@
               <a:buNone/>
             </a:pPr>
             <a:r>
-              <a:rPr lang="zh-CN" altLang="en-US" sz="2000"/>
+              <a:rPr lang="zh-CN" altLang="en-US" sz="2000" dirty="0"/>
               <a:t>	</a:t>
             </a:r>
             <a:r>
-              <a:rPr lang="en-US" altLang="zh-CN" sz="2000"/>
-              <a:t>im = im.convert('1') # </a:t>
-            </a:r>
-            <a:r>
-              <a:rPr lang="zh-CN" altLang="en-US" sz="2000"/>
+              <a:rPr lang="en-US" altLang="zh-CN" sz="2000" dirty="0" err="1"/>
+              <a:t>im</a:t>
+            </a:r>
+            <a:r>
+              <a:rPr lang="en-US" altLang="zh-CN" sz="2000" dirty="0"/>
+              <a:t> = </a:t>
+            </a:r>
+            <a:r>
+              <a:rPr lang="en-US" altLang="zh-CN" sz="2000" dirty="0" err="1"/>
+              <a:t>im.convert</a:t>
+            </a:r>
+            <a:r>
+              <a:rPr lang="en-US" altLang="zh-CN" sz="2000" dirty="0"/>
+              <a:t>('1') # </a:t>
+            </a:r>
+            <a:r>
+              <a:rPr lang="zh-CN" altLang="en-US" sz="2000" dirty="0"/>
               <a:t>黑白二值图像</a:t>
             </a:r>
           </a:p>
@@ -5313,21 +5365,46 @@
               <a:buNone/>
             </a:pPr>
             <a:r>
-              <a:rPr lang="zh-CN" altLang="en-US" sz="2000"/>
+              <a:rPr lang="zh-CN" altLang="en-US" sz="2000" dirty="0"/>
               <a:t>	</a:t>
             </a:r>
             <a:r>
-              <a:rPr lang="en-US" altLang="zh-CN" sz="2000"/>
-              <a:t>return im</a:t>
-            </a:r>
+              <a:rPr lang="en-US" altLang="zh-CN" sz="2000" dirty="0"/>
+              <a:t>return </a:t>
+            </a:r>
+            <a:r>
+              <a:rPr lang="en-US" altLang="zh-CN" sz="2000" dirty="0" err="1"/>
+              <a:t>im</a:t>
+            </a:r>
+            <a:endParaRPr lang="en-US" altLang="zh-CN" sz="2000" dirty="0"/>
           </a:p>
           <a:p>
             <a:pPr marL="68263" indent="0">
               <a:buNone/>
             </a:pPr>
             <a:r>
-              <a:rPr lang="en-US" altLang="zh-CN" sz="2000"/>
-              <a:t>im = Image.open(r"E:\22\cong_digit0.jpg")</a:t>
+              <a:rPr lang="en-US" altLang="zh-CN" sz="2000" dirty="0" err="1"/>
+              <a:t>im</a:t>
+            </a:r>
+            <a:r>
+              <a:rPr lang="en-US" altLang="zh-CN" sz="2000" dirty="0"/>
+              <a:t> = </a:t>
+            </a:r>
+            <a:r>
+              <a:rPr lang="en-US" altLang="zh-CN" sz="2000" dirty="0" err="1"/>
+              <a:t>Image.open</a:t>
+            </a:r>
+            <a:r>
+              <a:rPr lang="en-US" altLang="zh-CN" sz="2000" dirty="0"/>
+              <a:t>(</a:t>
+            </a:r>
+            <a:r>
+              <a:rPr lang="en-US" altLang="zh-CN" sz="2000" dirty="0" err="1"/>
+              <a:t>r"E</a:t>
+            </a:r>
+            <a:r>
+              <a:rPr lang="en-US" altLang="zh-CN" sz="2000" dirty="0"/>
+              <a:t>:\22\cong_digit0.jpg")</a:t>
             </a:r>
           </a:p>
           <a:p>
@@ -5335,8 +5412,20 @@
               <a:buNone/>
             </a:pPr>
             <a:r>
-              <a:rPr lang="en-US" altLang="zh-CN" sz="2000"/>
-              <a:t>im=convert_to_bw(im,143)</a:t>
+              <a:rPr lang="en-US" altLang="zh-CN" sz="2000" dirty="0" err="1"/>
+              <a:t>im</a:t>
+            </a:r>
+            <a:r>
+              <a:rPr lang="en-US" altLang="zh-CN" sz="2000" dirty="0"/>
+              <a:t>=</a:t>
+            </a:r>
+            <a:r>
+              <a:rPr lang="en-US" altLang="zh-CN" sz="2000" dirty="0" err="1"/>
+              <a:t>convert_to_bw</a:t>
+            </a:r>
+            <a:r>
+              <a:rPr lang="en-US" altLang="zh-CN" sz="2000" dirty="0"/>
+              <a:t>(im,143)</a:t>
             </a:r>
           </a:p>
           <a:p>
@@ -5344,8 +5433,12 @@
               <a:buNone/>
             </a:pPr>
             <a:r>
-              <a:rPr lang="en-US" altLang="zh-CN" sz="2000"/>
-              <a:t>xs = [0, 31]</a:t>
+              <a:rPr lang="en-US" altLang="zh-CN" sz="2000" dirty="0" err="1"/>
+              <a:t>xs</a:t>
+            </a:r>
+            <a:r>
+              <a:rPr lang="en-US" altLang="zh-CN" sz="2000" dirty="0"/>
+              <a:t> = [0, 31]</a:t>
             </a:r>
           </a:p>
           <a:p>
@@ -5353,8 +5446,12 @@
               <a:buNone/>
             </a:pPr>
             <a:r>
-              <a:rPr lang="en-US" altLang="zh-CN" sz="2000"/>
-              <a:t>ys = [0, 47]</a:t>
+              <a:rPr lang="en-US" altLang="zh-CN" sz="2000" dirty="0" err="1"/>
+              <a:t>ys</a:t>
+            </a:r>
+            <a:r>
+              <a:rPr lang="en-US" altLang="zh-CN" sz="2000" dirty="0"/>
+              <a:t> = [0, 47]</a:t>
             </a:r>
           </a:p>
           <a:p>
@@ -5362,8 +5459,40 @@
               <a:buNone/>
             </a:pPr>
             <a:r>
-              <a:rPr lang="en-US" altLang="zh-CN" sz="2000"/>
-              <a:t>box=(xs[0],ys[0],xs[1],ys[1])</a:t>
+              <a:rPr lang="en-US" altLang="zh-CN" sz="2000" dirty="0"/>
+              <a:t>box=(</a:t>
+            </a:r>
+            <a:r>
+              <a:rPr lang="en-US" altLang="zh-CN" sz="2000" dirty="0" err="1"/>
+              <a:t>xs</a:t>
+            </a:r>
+            <a:r>
+              <a:rPr lang="en-US" altLang="zh-CN" sz="2000" dirty="0"/>
+              <a:t>[0],</a:t>
+            </a:r>
+            <a:r>
+              <a:rPr lang="en-US" altLang="zh-CN" sz="2000" dirty="0" err="1"/>
+              <a:t>ys</a:t>
+            </a:r>
+            <a:r>
+              <a:rPr lang="en-US" altLang="zh-CN" sz="2000" dirty="0"/>
+              <a:t>[0],</a:t>
+            </a:r>
+            <a:r>
+              <a:rPr lang="en-US" altLang="zh-CN" sz="2000" dirty="0" err="1"/>
+              <a:t>xs</a:t>
+            </a:r>
+            <a:r>
+              <a:rPr lang="en-US" altLang="zh-CN" sz="2000" dirty="0"/>
+              <a:t>[1],</a:t>
+            </a:r>
+            <a:r>
+              <a:rPr lang="en-US" altLang="zh-CN" sz="2000" dirty="0" err="1"/>
+              <a:t>ys</a:t>
+            </a:r>
+            <a:r>
+              <a:rPr lang="en-US" altLang="zh-CN" sz="2000" dirty="0"/>
+              <a:t>[1])</a:t>
             </a:r>
           </a:p>
           <a:p>
@@ -5371,8 +5500,16 @@
               <a:buNone/>
             </a:pPr>
             <a:r>
-              <a:rPr lang="en-US" altLang="zh-CN" sz="2000"/>
-              <a:t>t = im.crop(box).copy()</a:t>
+              <a:rPr lang="en-US" altLang="zh-CN" sz="2000" dirty="0"/>
+              <a:t>t = </a:t>
+            </a:r>
+            <a:r>
+              <a:rPr lang="en-US" altLang="zh-CN" sz="2000" dirty="0" err="1"/>
+              <a:t>im.crop</a:t>
+            </a:r>
+            <a:r>
+              <a:rPr lang="en-US" altLang="zh-CN" sz="2000" dirty="0"/>
+              <a:t>(box).copy()</a:t>
             </a:r>
           </a:p>
           <a:p>
@@ -5380,8 +5517,12 @@
               <a:buNone/>
             </a:pPr>
             <a:r>
-              <a:rPr lang="en-US" altLang="zh-CN" sz="2000"/>
-              <a:t>t.show()</a:t>
+              <a:rPr lang="en-US" altLang="zh-CN" sz="2000" dirty="0" err="1"/>
+              <a:t>t.show</a:t>
+            </a:r>
+            <a:r>
+              <a:rPr lang="en-US" altLang="zh-CN" sz="2000" dirty="0"/>
+              <a:t>()</a:t>
             </a:r>
             <a:endParaRPr lang="zh-CN" altLang="zh-CN" sz="2000" dirty="0"/>
           </a:p>
@@ -6981,7 +7122,7 @@
         </p:blipFill>
         <p:spPr>
           <a:xfrm>
-            <a:off x="3491880" y="165306"/>
+            <a:off x="6516216" y="95507"/>
             <a:ext cx="6840760" cy="5598653"/>
           </a:xfrm>
           <a:prstGeom prst="rect">
@@ -7763,15 +7904,7 @@
                 <a:ea typeface="等线" panose="02010600030101010101" pitchFamily="2" charset="-122"/>
                 <a:cs typeface="Times New Roman" panose="02020603050405020304" pitchFamily="18" charset="0"/>
               </a:rPr>
-              <a:t>, h </a:t>
-            </a:r>
-            <a:r>
-              <a:rPr lang="en-US" altLang="zh-CN" sz="2400">
-                <a:latin typeface="Times New Roman" panose="02020603050405020304" pitchFamily="18" charset="0"/>
-                <a:ea typeface="等线" panose="02010600030101010101" pitchFamily="2" charset="-122"/>
-                <a:cs typeface="Times New Roman" panose="02020603050405020304" pitchFamily="18" charset="0"/>
-              </a:rPr>
-              <a:t>= </a:t>
+              <a:t>, h = </a:t>
             </a:r>
             <a:r>
               <a:rPr lang="en-US" altLang="zh-CN" sz="2400" smtClean="0">
@@ -7989,18 +8122,18 @@
             </a:r>
             <a:r>
               <a:rPr lang="en-US" altLang="zh-CN" sz="2000" dirty="0"/>
-              <a:t>, h </a:t>
-            </a:r>
-            <a:r>
-              <a:rPr lang="en-US" altLang="zh-CN" sz="2000"/>
-              <a:t>= </a:t>
-            </a:r>
-            <a:r>
-              <a:rPr lang="en-US" altLang="zh-CN" sz="2000" smtClean="0"/>
-              <a:t>im.size  # </a:t>
-            </a:r>
-            <a:r>
-              <a:rPr lang="zh-CN" altLang="en-US" sz="2000" smtClean="0"/>
+              <a:t>, h = </a:t>
+            </a:r>
+            <a:r>
+              <a:rPr lang="en-US" altLang="zh-CN" sz="2000" dirty="0" err="1" smtClean="0"/>
+              <a:t>im.size</a:t>
+            </a:r>
+            <a:r>
+              <a:rPr lang="en-US" altLang="zh-CN" sz="2000" dirty="0" smtClean="0"/>
+              <a:t>  # </a:t>
+            </a:r>
+            <a:r>
+              <a:rPr lang="zh-CN" altLang="en-US" sz="2000" dirty="0" smtClean="0"/>
               <a:t>校图像的宽、高</a:t>
             </a:r>
             <a:endParaRPr lang="en-US" altLang="zh-CN" sz="2000" dirty="0"/>
@@ -10099,24 +10232,17 @@
                 <a:latin typeface="等线" panose="02010600030101010101" pitchFamily="2" charset="-122"/>
                 <a:ea typeface="等线" panose="02010600030101010101" pitchFamily="2" charset="-122"/>
               </a:rPr>
-              <a:t>            box = (x[0], y[0], x[1] + 1, y[1] + 1)  </a:t>
-            </a:r>
-            <a:r>
-              <a:rPr lang="en-US" altLang="zh-CN" sz="2000">
-                <a:latin typeface="等线" panose="02010600030101010101" pitchFamily="2" charset="-122"/>
-                <a:ea typeface="等线" panose="02010600030101010101" pitchFamily="2" charset="-122"/>
-              </a:rPr>
-              <a:t># </a:t>
-            </a:r>
-            <a:r>
-              <a:rPr lang="en-US" altLang="zh-CN" sz="2000" smtClean="0">
+              <a:t>            box = (x[0], y[0], x[1] + 1, y[1] + 1)  # </a:t>
+            </a:r>
+            <a:r>
+              <a:rPr lang="en-US" altLang="zh-CN" sz="2000" dirty="0" smtClean="0">
                 <a:latin typeface="等线" panose="02010600030101010101" pitchFamily="2" charset="-122"/>
                 <a:ea typeface="等线" panose="02010600030101010101" pitchFamily="2" charset="-122"/>
               </a:rPr>
               <a:t>2*2</a:t>
             </a:r>
             <a:r>
-              <a:rPr lang="zh-CN" altLang="en-US" sz="2000" smtClean="0">
+              <a:rPr lang="zh-CN" altLang="en-US" sz="2000" dirty="0" smtClean="0">
                 <a:latin typeface="等线" panose="02010600030101010101" pitchFamily="2" charset="-122"/>
                 <a:ea typeface="等线" panose="02010600030101010101" pitchFamily="2" charset="-122"/>
               </a:rPr>
@@ -14033,14 +14159,7 @@
                 <a:latin typeface="等线" panose="02010600030101010101" pitchFamily="2" charset="-122"/>
                 <a:ea typeface="等线" panose="02010600030101010101" pitchFamily="2" charset="-122"/>
               </a:rPr>
-              <a:t>在“画图”软件中</a:t>
-            </a:r>
-            <a:r>
-              <a:rPr lang="zh-CN" altLang="en-US" sz="2000" smtClean="0">
-                <a:latin typeface="等线" panose="02010600030101010101" pitchFamily="2" charset="-122"/>
-                <a:ea typeface="等线" panose="02010600030101010101" pitchFamily="2" charset="-122"/>
-              </a:rPr>
-              <a:t>，写数字。</a:t>
+              <a:t>在“画图”软件中，写数字。</a:t>
             </a:r>
             <a:endParaRPr lang="en-US" altLang="zh-CN" sz="2000" smtClean="0">
               <a:latin typeface="等线" panose="02010600030101010101" pitchFamily="2" charset="-122"/>
@@ -15751,6 +15870,77 @@
       </p:par>
     </p:tnLst>
   </p:timing>
+</p:sld>
+</file>
+
+<file path=ppt/slides/slide34.xml><?xml version="1.0" encoding="utf-8"?>
+<p:sld xmlns:a="http://schemas.openxmlformats.org/drawingml/2006/main" xmlns:r="http://schemas.openxmlformats.org/officeDocument/2006/relationships" xmlns:p="http://schemas.openxmlformats.org/presentationml/2006/main">
+  <p:cSld>
+    <p:spTree>
+      <p:nvGrpSpPr>
+        <p:cNvPr id="1" name=""/>
+        <p:cNvGrpSpPr/>
+        <p:nvPr/>
+      </p:nvGrpSpPr>
+      <p:grpSpPr>
+        <a:xfrm>
+          <a:off x="0" y="0"/>
+          <a:ext cx="0" cy="0"/>
+          <a:chOff x="0" y="0"/>
+          <a:chExt cx="0" cy="0"/>
+        </a:xfrm>
+      </p:grpSpPr>
+      <p:sp>
+        <p:nvSpPr>
+          <p:cNvPr id="2" name="标题 1"/>
+          <p:cNvSpPr>
+            <a:spLocks noGrp="1"/>
+          </p:cNvSpPr>
+          <p:nvPr>
+            <p:ph type="title"/>
+          </p:nvPr>
+        </p:nvSpPr>
+        <p:spPr/>
+        <p:txBody>
+          <a:bodyPr/>
+          <a:lstStyle/>
+          <a:p>
+            <a:endParaRPr kumimoji="1" lang="zh-CN" altLang="en-US"/>
+          </a:p>
+        </p:txBody>
+      </p:sp>
+      <p:sp>
+        <p:nvSpPr>
+          <p:cNvPr id="3" name="内容占位符 2"/>
+          <p:cNvSpPr>
+            <a:spLocks noGrp="1"/>
+          </p:cNvSpPr>
+          <p:nvPr>
+            <p:ph idx="1"/>
+          </p:nvPr>
+        </p:nvSpPr>
+        <p:spPr/>
+        <p:txBody>
+          <a:bodyPr/>
+          <a:lstStyle/>
+          <a:p>
+            <a:endParaRPr kumimoji="1" lang="zh-CN" altLang="en-US"/>
+          </a:p>
+        </p:txBody>
+      </p:sp>
+    </p:spTree>
+    <p:extLst>
+      <p:ext uri="{BB962C8B-B14F-4D97-AF65-F5344CB8AC3E}">
+        <p14:creationId xmlns:p14="http://schemas.microsoft.com/office/powerpoint/2010/main" val="887582055"/>
+      </p:ext>
+    </p:extLst>
+  </p:cSld>
+  <p:clrMapOvr>
+    <a:masterClrMapping/>
+  </p:clrMapOvr>
+  <p:transition>
+    <p:zoom/>
+  </p:transition>
 </p:sld>
 </file>
 
@@ -18149,7 +18339,7 @@
           <a:graphicData uri="http://schemas.openxmlformats.org/presentationml/2006/ole">
             <mc:AlternateContent xmlns:mc="http://schemas.openxmlformats.org/markup-compatibility/2006">
               <mc:Choice xmlns:v="urn:schemas-microsoft-com:vml" Requires="v">
-                <p:oleObj spid="_x0000_s1067" name="BMP 图像" r:id="rId4" imgW="3019048" imgH="2657846" progId="Paint.Picture">
+                <p:oleObj spid="_x0000_s1070" name="BMP 图像" r:id="rId4" imgW="3019048" imgH="2657846" progId="Paint.Picture">
                   <p:embed/>
                 </p:oleObj>
               </mc:Choice>
@@ -18380,11 +18570,60 @@
               <a:buNone/>
             </a:pPr>
             <a:r>
-              <a:rPr lang="en-US" altLang="zh-CN" smtClean="0">
-                <a:latin typeface="等线" panose="02010600030101010101" pitchFamily="2" charset="-122"/>
-                <a:ea typeface="等线" panose="02010600030101010101" pitchFamily="2" charset="-122"/>
-              </a:rPr>
-              <a:t>img=np.array(Image.open(r"F:\22\cong_digit0.jpg</a:t>
+              <a:rPr lang="en-US" altLang="zh-CN" dirty="0" err="1" smtClean="0">
+                <a:latin typeface="等线" panose="02010600030101010101" pitchFamily="2" charset="-122"/>
+                <a:ea typeface="等线" panose="02010600030101010101" pitchFamily="2" charset="-122"/>
+              </a:rPr>
+              <a:t>img</a:t>
+            </a:r>
+            <a:r>
+              <a:rPr lang="en-US" altLang="zh-CN" dirty="0" smtClean="0">
+                <a:latin typeface="等线" panose="02010600030101010101" pitchFamily="2" charset="-122"/>
+                <a:ea typeface="等线" panose="02010600030101010101" pitchFamily="2" charset="-122"/>
+              </a:rPr>
+              <a:t>=</a:t>
+            </a:r>
+            <a:r>
+              <a:rPr lang="en-US" altLang="zh-CN" dirty="0" err="1" smtClean="0">
+                <a:latin typeface="等线" panose="02010600030101010101" pitchFamily="2" charset="-122"/>
+                <a:ea typeface="等线" panose="02010600030101010101" pitchFamily="2" charset="-122"/>
+              </a:rPr>
+              <a:t>np.array</a:t>
+            </a:r>
+            <a:r>
+              <a:rPr lang="en-US" altLang="zh-CN" dirty="0" smtClean="0">
+                <a:latin typeface="等线" panose="02010600030101010101" pitchFamily="2" charset="-122"/>
+                <a:ea typeface="等线" panose="02010600030101010101" pitchFamily="2" charset="-122"/>
+              </a:rPr>
+              <a:t>(</a:t>
+            </a:r>
+            <a:r>
+              <a:rPr lang="en-US" altLang="zh-CN" dirty="0" err="1" smtClean="0">
+                <a:latin typeface="等线" panose="02010600030101010101" pitchFamily="2" charset="-122"/>
+                <a:ea typeface="等线" panose="02010600030101010101" pitchFamily="2" charset="-122"/>
+              </a:rPr>
+              <a:t>Image.open</a:t>
+            </a:r>
+            <a:r>
+              <a:rPr lang="en-US" altLang="zh-CN" dirty="0" smtClean="0">
+                <a:latin typeface="等线" panose="02010600030101010101" pitchFamily="2" charset="-122"/>
+                <a:ea typeface="等线" panose="02010600030101010101" pitchFamily="2" charset="-122"/>
+              </a:rPr>
+              <a:t>(</a:t>
+            </a:r>
+            <a:r>
+              <a:rPr lang="en-US" altLang="zh-CN" dirty="0" err="1" smtClean="0">
+                <a:latin typeface="等线" panose="02010600030101010101" pitchFamily="2" charset="-122"/>
+                <a:ea typeface="等线" panose="02010600030101010101" pitchFamily="2" charset="-122"/>
+              </a:rPr>
+              <a:t>r"F</a:t>
+            </a:r>
+            <a:r>
+              <a:rPr lang="en-US" altLang="zh-CN" dirty="0" smtClean="0">
+                <a:latin typeface="等线" panose="02010600030101010101" pitchFamily="2" charset="-122"/>
+                <a:ea typeface="等线" panose="02010600030101010101" pitchFamily="2" charset="-122"/>
+              </a:rPr>
+              <a:t>:\22\cong_digit0.jpg</a:t>
             </a:r>
             <a:r>
               <a:rPr lang="en-US" altLang="zh-CN" dirty="0">
@@ -18497,21 +18736,7 @@
                 <a:latin typeface="等线" panose="02010600030101010101" pitchFamily="2" charset="-122"/>
                 <a:ea typeface="等线" panose="02010600030101010101" pitchFamily="2" charset="-122"/>
               </a:rPr>
-              <a:t>, bins=256</a:t>
-            </a:r>
-            <a:r>
-              <a:rPr lang="en-US" altLang="zh-CN">
-                <a:latin typeface="等线" panose="02010600030101010101" pitchFamily="2" charset="-122"/>
-                <a:ea typeface="等线" panose="02010600030101010101" pitchFamily="2" charset="-122"/>
-              </a:rPr>
-              <a:t>, density =</a:t>
-            </a:r>
-            <a:r>
-              <a:rPr lang="en-US" altLang="zh-CN" dirty="0">
-                <a:latin typeface="等线" panose="02010600030101010101" pitchFamily="2" charset="-122"/>
-                <a:ea typeface="等线" panose="02010600030101010101" pitchFamily="2" charset="-122"/>
-              </a:rPr>
-              <a:t>1, </a:t>
+              <a:t>, bins=256, density =1, </a:t>
             </a:r>
             <a:r>
               <a:rPr lang="en-US" altLang="zh-CN" dirty="0" err="1">
